--- a/ressources/nos_resumes/resume_tp_3.pptx
+++ b/ressources/nos_resumes/resume_tp_3.pptx
@@ -7,6 +7,7 @@
   <p:sldIdLst>
     <p:sldId id="256" r:id="rId2"/>
     <p:sldId id="257" r:id="rId3"/>
+    <p:sldId id="258" r:id="rId4"/>
   </p:sldIdLst>
   <p:sldSz cx="12192000" cy="6858000"/>
   <p:notesSz cx="6858000" cy="9144000"/>
@@ -105,13 +106,19 @@
       </a:defRPr>
     </a:lvl9pPr>
   </p:defaultTextStyle>
+  <p:extLst>
+    <p:ext uri="{EFAFB233-063F-42B5-8137-9DF3F51BA10A}">
+      <p15:sldGuideLst xmlns:p15="http://schemas.microsoft.com/office/powerpoint/2012/main"/>
+    </p:ext>
+  </p:extLst>
 </p:presentation>
 </file>
 
 <file path=ppt/revisionInfo.xml><?xml version="1.0" encoding="utf-8"?>
 <p1510:revInfo xmlns:a="http://schemas.openxmlformats.org/drawingml/2006/main" xmlns:r="http://schemas.openxmlformats.org/officeDocument/2006/relationships" xmlns:p1510="http://schemas.microsoft.com/office/powerpoint/2015/10/main">
   <p1510:revLst>
-    <p1510:client id="{D7FBFB41-06D7-406F-B2BE-A17A2F1B8E2E}" v="1" dt="2021-10-17T13:07:29.386"/>
+    <p1510:client id="{2161BAE9-D5AC-499F-9DD7-2CF27CE29997}" v="5" dt="2021-10-17T17:35:55.790"/>
+    <p1510:client id="{D7FBFB41-06D7-406F-B2BE-A17A2F1B8E2E}" v="3" dt="2021-10-17T13:15:22.263"/>
   </p1510:revLst>
 </p1510:revInfo>
 </file>
@@ -119,9 +126,174 @@
 <file path=ppt/changesInfos/changesInfo1.xml><?xml version="1.0" encoding="utf-8"?>
 <pc:chgInfo xmlns:a="http://schemas.openxmlformats.org/drawingml/2006/main" xmlns:r="http://schemas.openxmlformats.org/officeDocument/2006/relationships" xmlns:ac="http://schemas.microsoft.com/office/drawing/2013/main/command" xmlns:pc="http://schemas.microsoft.com/office/powerpoint/2013/main/command">
   <pc:docChgLst>
+    <pc:chgData name="Hugo Sequier" userId="e4fe3c59-f51a-4c34-abef-e859f9f20537" providerId="ADAL" clId="{2161BAE9-D5AC-499F-9DD7-2CF27CE29997}"/>
+    <pc:docChg chg="undo custSel addSld delSld modSld">
+      <pc:chgData name="Hugo Sequier" userId="e4fe3c59-f51a-4c34-abef-e859f9f20537" providerId="ADAL" clId="{2161BAE9-D5AC-499F-9DD7-2CF27CE29997}" dt="2021-10-17T18:49:01.565" v="237" actId="47"/>
+      <pc:docMkLst>
+        <pc:docMk/>
+      </pc:docMkLst>
+      <pc:sldChg chg="addSp delSp modSp mod modClrScheme delDesignElem chgLayout">
+        <pc:chgData name="Hugo Sequier" userId="e4fe3c59-f51a-4c34-abef-e859f9f20537" providerId="ADAL" clId="{2161BAE9-D5AC-499F-9DD7-2CF27CE29997}" dt="2021-10-17T18:06:07.731" v="236" actId="20577"/>
+        <pc:sldMkLst>
+          <pc:docMk/>
+          <pc:sldMk cId="1371466402" sldId="258"/>
+        </pc:sldMkLst>
+        <pc:spChg chg="mod ord">
+          <ac:chgData name="Hugo Sequier" userId="e4fe3c59-f51a-4c34-abef-e859f9f20537" providerId="ADAL" clId="{2161BAE9-D5AC-499F-9DD7-2CF27CE29997}" dt="2021-10-17T18:05:00.593" v="118" actId="26606"/>
+          <ac:spMkLst>
+            <pc:docMk/>
+            <pc:sldMk cId="1371466402" sldId="258"/>
+            <ac:spMk id="2" creationId="{BD49A01A-4DB7-4E11-8CD4-C429800AE2A6}"/>
+          </ac:spMkLst>
+        </pc:spChg>
+        <pc:spChg chg="add del mod ord">
+          <ac:chgData name="Hugo Sequier" userId="e4fe3c59-f51a-4c34-abef-e859f9f20537" providerId="ADAL" clId="{2161BAE9-D5AC-499F-9DD7-2CF27CE29997}" dt="2021-10-17T18:06:07.731" v="236" actId="20577"/>
+          <ac:spMkLst>
+            <pc:docMk/>
+            <pc:sldMk cId="1371466402" sldId="258"/>
+            <ac:spMk id="3" creationId="{83F10263-FAEA-4995-A3FA-10449CA9459C}"/>
+          </ac:spMkLst>
+        </pc:spChg>
+        <pc:spChg chg="add del mod ord">
+          <ac:chgData name="Hugo Sequier" userId="e4fe3c59-f51a-4c34-abef-e859f9f20537" providerId="ADAL" clId="{2161BAE9-D5AC-499F-9DD7-2CF27CE29997}" dt="2021-10-17T17:01:17.430" v="25" actId="478"/>
+          <ac:spMkLst>
+            <pc:docMk/>
+            <pc:sldMk cId="1371466402" sldId="258"/>
+            <ac:spMk id="4" creationId="{F7B3DF00-73AB-47D7-A22D-6854F20D4AB2}"/>
+          </ac:spMkLst>
+        </pc:spChg>
+        <pc:spChg chg="add del mod">
+          <ac:chgData name="Hugo Sequier" userId="e4fe3c59-f51a-4c34-abef-e859f9f20537" providerId="ADAL" clId="{2161BAE9-D5AC-499F-9DD7-2CF27CE29997}" dt="2021-10-17T17:00:46.702" v="8" actId="21"/>
+          <ac:spMkLst>
+            <pc:docMk/>
+            <pc:sldMk cId="1371466402" sldId="258"/>
+            <ac:spMk id="8" creationId="{F9914D68-71F1-4F40-B885-687D8FAB98E1}"/>
+          </ac:spMkLst>
+        </pc:spChg>
+        <pc:spChg chg="add del mod">
+          <ac:chgData name="Hugo Sequier" userId="e4fe3c59-f51a-4c34-abef-e859f9f20537" providerId="ADAL" clId="{2161BAE9-D5AC-499F-9DD7-2CF27CE29997}" dt="2021-10-17T17:00:39.858" v="3"/>
+          <ac:spMkLst>
+            <pc:docMk/>
+            <pc:sldMk cId="1371466402" sldId="258"/>
+            <ac:spMk id="12" creationId="{669C855F-5371-4530-8037-52A74D4996D8}"/>
+          </ac:spMkLst>
+        </pc:spChg>
+        <pc:spChg chg="add del mod">
+          <ac:chgData name="Hugo Sequier" userId="e4fe3c59-f51a-4c34-abef-e859f9f20537" providerId="ADAL" clId="{2161BAE9-D5AC-499F-9DD7-2CF27CE29997}" dt="2021-10-17T17:00:45.509" v="6"/>
+          <ac:spMkLst>
+            <pc:docMk/>
+            <pc:sldMk cId="1371466402" sldId="258"/>
+            <ac:spMk id="13" creationId="{CFF016DD-79AB-422B-8CFC-E46A17CD1E76}"/>
+          </ac:spMkLst>
+        </pc:spChg>
+        <pc:spChg chg="add">
+          <ac:chgData name="Hugo Sequier" userId="e4fe3c59-f51a-4c34-abef-e859f9f20537" providerId="ADAL" clId="{2161BAE9-D5AC-499F-9DD7-2CF27CE29997}" dt="2021-10-17T18:05:00.593" v="118" actId="26606"/>
+          <ac:spMkLst>
+            <pc:docMk/>
+            <pc:sldMk cId="1371466402" sldId="258"/>
+            <ac:spMk id="17" creationId="{EB97D8A6-1C5A-42B6-AE78-F3D0F9BDF024}"/>
+          </ac:spMkLst>
+        </pc:spChg>
+        <pc:spChg chg="add">
+          <ac:chgData name="Hugo Sequier" userId="e4fe3c59-f51a-4c34-abef-e859f9f20537" providerId="ADAL" clId="{2161BAE9-D5AC-499F-9DD7-2CF27CE29997}" dt="2021-10-17T18:05:00.593" v="118" actId="26606"/>
+          <ac:spMkLst>
+            <pc:docMk/>
+            <pc:sldMk cId="1371466402" sldId="258"/>
+            <ac:spMk id="20" creationId="{2793B903-AB42-42A0-AE97-93D366679CA2}"/>
+          </ac:spMkLst>
+        </pc:spChg>
+        <pc:spChg chg="add">
+          <ac:chgData name="Hugo Sequier" userId="e4fe3c59-f51a-4c34-abef-e859f9f20537" providerId="ADAL" clId="{2161BAE9-D5AC-499F-9DD7-2CF27CE29997}" dt="2021-10-17T18:05:00.593" v="118" actId="26606"/>
+          <ac:spMkLst>
+            <pc:docMk/>
+            <pc:sldMk cId="1371466402" sldId="258"/>
+            <ac:spMk id="22" creationId="{9A204626-2220-4678-A939-FD94EA7B5362}"/>
+          </ac:spMkLst>
+        </pc:spChg>
+        <pc:spChg chg="del">
+          <ac:chgData name="Hugo Sequier" userId="e4fe3c59-f51a-4c34-abef-e859f9f20537" providerId="ADAL" clId="{2161BAE9-D5AC-499F-9DD7-2CF27CE29997}" dt="2021-10-17T17:00:32.404" v="0" actId="700"/>
+          <ac:spMkLst>
+            <pc:docMk/>
+            <pc:sldMk cId="1371466402" sldId="258"/>
+            <ac:spMk id="29" creationId="{8E2B8A2D-F46F-4DA5-8AFF-BC57461C281A}"/>
+          </ac:spMkLst>
+        </pc:spChg>
+        <pc:spChg chg="del">
+          <ac:chgData name="Hugo Sequier" userId="e4fe3c59-f51a-4c34-abef-e859f9f20537" providerId="ADAL" clId="{2161BAE9-D5AC-499F-9DD7-2CF27CE29997}" dt="2021-10-17T17:00:32.404" v="0" actId="700"/>
+          <ac:spMkLst>
+            <pc:docMk/>
+            <pc:sldMk cId="1371466402" sldId="258"/>
+            <ac:spMk id="31" creationId="{292BAD85-00E4-4D0A-993C-8372E78E1ADD}"/>
+          </ac:spMkLst>
+        </pc:spChg>
+        <pc:picChg chg="del mod">
+          <ac:chgData name="Hugo Sequier" userId="e4fe3c59-f51a-4c34-abef-e859f9f20537" providerId="ADAL" clId="{2161BAE9-D5AC-499F-9DD7-2CF27CE29997}" dt="2021-10-17T18:04:55.638" v="117" actId="478"/>
+          <ac:picMkLst>
+            <pc:docMk/>
+            <pc:sldMk cId="1371466402" sldId="258"/>
+            <ac:picMk id="5" creationId="{F8C8B83B-0D66-440B-9CC3-BB79A656C2C9}"/>
+          </ac:picMkLst>
+        </pc:picChg>
+        <pc:picChg chg="del mod">
+          <ac:chgData name="Hugo Sequier" userId="e4fe3c59-f51a-4c34-abef-e859f9f20537" providerId="ADAL" clId="{2161BAE9-D5AC-499F-9DD7-2CF27CE29997}" dt="2021-10-17T18:04:49.005" v="114" actId="478"/>
+          <ac:picMkLst>
+            <pc:docMk/>
+            <pc:sldMk cId="1371466402" sldId="258"/>
+            <ac:picMk id="7" creationId="{3EADFC2B-0AA8-4513-88B7-0A4A8C458A8A}"/>
+          </ac:picMkLst>
+        </pc:picChg>
+        <pc:picChg chg="del mod">
+          <ac:chgData name="Hugo Sequier" userId="e4fe3c59-f51a-4c34-abef-e859f9f20537" providerId="ADAL" clId="{2161BAE9-D5AC-499F-9DD7-2CF27CE29997}" dt="2021-10-17T17:34:35.507" v="29" actId="478"/>
+          <ac:picMkLst>
+            <pc:docMk/>
+            <pc:sldMk cId="1371466402" sldId="258"/>
+            <ac:picMk id="9" creationId="{0D5B5925-7B5C-4542-8ED5-09128104CA55}"/>
+          </ac:picMkLst>
+        </pc:picChg>
+        <pc:picChg chg="add del mod">
+          <ac:chgData name="Hugo Sequier" userId="e4fe3c59-f51a-4c34-abef-e859f9f20537" providerId="ADAL" clId="{2161BAE9-D5AC-499F-9DD7-2CF27CE29997}" dt="2021-10-17T18:04:31.412" v="109" actId="478"/>
+          <ac:picMkLst>
+            <pc:docMk/>
+            <pc:sldMk cId="1371466402" sldId="258"/>
+            <ac:picMk id="11" creationId="{93318E52-9450-40AD-A07E-55ED96AEC741}"/>
+          </ac:picMkLst>
+        </pc:picChg>
+        <pc:picChg chg="add mod">
+          <ac:chgData name="Hugo Sequier" userId="e4fe3c59-f51a-4c34-abef-e859f9f20537" providerId="ADAL" clId="{2161BAE9-D5AC-499F-9DD7-2CF27CE29997}" dt="2021-10-17T18:05:08.776" v="122" actId="14100"/>
+          <ac:picMkLst>
+            <pc:docMk/>
+            <pc:sldMk cId="1371466402" sldId="258"/>
+            <ac:picMk id="15" creationId="{4BC78D03-4383-4769-BDA8-801E2B5000B1}"/>
+          </ac:picMkLst>
+        </pc:picChg>
+      </pc:sldChg>
+      <pc:sldChg chg="new del">
+        <pc:chgData name="Hugo Sequier" userId="e4fe3c59-f51a-4c34-abef-e859f9f20537" providerId="ADAL" clId="{2161BAE9-D5AC-499F-9DD7-2CF27CE29997}" dt="2021-10-17T17:35:49.418" v="105" actId="2696"/>
+        <pc:sldMkLst>
+          <pc:docMk/>
+          <pc:sldMk cId="391094934" sldId="259"/>
+        </pc:sldMkLst>
+      </pc:sldChg>
+      <pc:sldChg chg="new del">
+        <pc:chgData name="Hugo Sequier" userId="e4fe3c59-f51a-4c34-abef-e859f9f20537" providerId="ADAL" clId="{2161BAE9-D5AC-499F-9DD7-2CF27CE29997}" dt="2021-10-17T17:35:56.796" v="108" actId="47"/>
+        <pc:sldMkLst>
+          <pc:docMk/>
+          <pc:sldMk cId="3616054494" sldId="259"/>
+        </pc:sldMkLst>
+      </pc:sldChg>
+      <pc:sldChg chg="add del">
+        <pc:chgData name="Hugo Sequier" userId="e4fe3c59-f51a-4c34-abef-e859f9f20537" providerId="ADAL" clId="{2161BAE9-D5AC-499F-9DD7-2CF27CE29997}" dt="2021-10-17T18:49:01.565" v="237" actId="47"/>
+        <pc:sldMkLst>
+          <pc:docMk/>
+          <pc:sldMk cId="1708072517" sldId="260"/>
+        </pc:sldMkLst>
+      </pc:sldChg>
+    </pc:docChg>
+  </pc:docChgLst>
+  <pc:docChgLst>
     <pc:chgData name="Hugo Sequier" userId="e4fe3c59-f51a-4c34-abef-e859f9f20537" providerId="ADAL" clId="{D7FBFB41-06D7-406F-B2BE-A17A2F1B8E2E}"/>
-    <pc:docChg chg="addSld modSld">
-      <pc:chgData name="Hugo Sequier" userId="e4fe3c59-f51a-4c34-abef-e859f9f20537" providerId="ADAL" clId="{D7FBFB41-06D7-406F-B2BE-A17A2F1B8E2E}" dt="2021-10-17T13:07:55.020" v="27" actId="680"/>
+    <pc:docChg chg="undo custSel addSld modSld">
+      <pc:chgData name="Hugo Sequier" userId="e4fe3c59-f51a-4c34-abef-e859f9f20537" providerId="ADAL" clId="{D7FBFB41-06D7-406F-B2BE-A17A2F1B8E2E}" dt="2021-10-17T14:49:57.546" v="856" actId="26606"/>
       <pc:docMkLst>
         <pc:docMk/>
       </pc:docMkLst>
@@ -148,12 +320,139 @@
           </ac:spMkLst>
         </pc:spChg>
       </pc:sldChg>
-      <pc:sldChg chg="new">
-        <pc:chgData name="Hugo Sequier" userId="e4fe3c59-f51a-4c34-abef-e859f9f20537" providerId="ADAL" clId="{D7FBFB41-06D7-406F-B2BE-A17A2F1B8E2E}" dt="2021-10-17T13:07:55.020" v="27" actId="680"/>
+      <pc:sldChg chg="modSp new mod">
+        <pc:chgData name="Hugo Sequier" userId="e4fe3c59-f51a-4c34-abef-e859f9f20537" providerId="ADAL" clId="{D7FBFB41-06D7-406F-B2BE-A17A2F1B8E2E}" dt="2021-10-17T13:21:33.275" v="593" actId="14100"/>
         <pc:sldMkLst>
           <pc:docMk/>
           <pc:sldMk cId="289191786" sldId="257"/>
         </pc:sldMkLst>
+        <pc:spChg chg="mod">
+          <ac:chgData name="Hugo Sequier" userId="e4fe3c59-f51a-4c34-abef-e859f9f20537" providerId="ADAL" clId="{D7FBFB41-06D7-406F-B2BE-A17A2F1B8E2E}" dt="2021-10-17T13:10:58.872" v="98" actId="20577"/>
+          <ac:spMkLst>
+            <pc:docMk/>
+            <pc:sldMk cId="289191786" sldId="257"/>
+            <ac:spMk id="2" creationId="{57EA56A0-5F22-4D54-B626-BD46350C1684}"/>
+          </ac:spMkLst>
+        </pc:spChg>
+        <pc:spChg chg="mod">
+          <ac:chgData name="Hugo Sequier" userId="e4fe3c59-f51a-4c34-abef-e859f9f20537" providerId="ADAL" clId="{D7FBFB41-06D7-406F-B2BE-A17A2F1B8E2E}" dt="2021-10-17T13:21:33.275" v="593" actId="14100"/>
+          <ac:spMkLst>
+            <pc:docMk/>
+            <pc:sldMk cId="289191786" sldId="257"/>
+            <ac:spMk id="3" creationId="{C3A03A9B-B109-4D6E-AE2D-E196150110B4}"/>
+          </ac:spMkLst>
+        </pc:spChg>
+      </pc:sldChg>
+      <pc:sldChg chg="addSp delSp modSp new mod setBg setClrOvrMap">
+        <pc:chgData name="Hugo Sequier" userId="e4fe3c59-f51a-4c34-abef-e859f9f20537" providerId="ADAL" clId="{D7FBFB41-06D7-406F-B2BE-A17A2F1B8E2E}" dt="2021-10-17T14:49:57.546" v="856" actId="26606"/>
+        <pc:sldMkLst>
+          <pc:docMk/>
+          <pc:sldMk cId="1371466402" sldId="258"/>
+        </pc:sldMkLst>
+        <pc:spChg chg="mod">
+          <ac:chgData name="Hugo Sequier" userId="e4fe3c59-f51a-4c34-abef-e859f9f20537" providerId="ADAL" clId="{D7FBFB41-06D7-406F-B2BE-A17A2F1B8E2E}" dt="2021-10-17T14:49:23.024" v="851" actId="26606"/>
+          <ac:spMkLst>
+            <pc:docMk/>
+            <pc:sldMk cId="1371466402" sldId="258"/>
+            <ac:spMk id="2" creationId="{BD49A01A-4DB7-4E11-8CD4-C429800AE2A6}"/>
+          </ac:spMkLst>
+        </pc:spChg>
+        <pc:spChg chg="mod">
+          <ac:chgData name="Hugo Sequier" userId="e4fe3c59-f51a-4c34-abef-e859f9f20537" providerId="ADAL" clId="{D7FBFB41-06D7-406F-B2BE-A17A2F1B8E2E}" dt="2021-10-17T14:49:57.546" v="856" actId="26606"/>
+          <ac:spMkLst>
+            <pc:docMk/>
+            <pc:sldMk cId="1371466402" sldId="258"/>
+            <ac:spMk id="3" creationId="{83F10263-FAEA-4995-A3FA-10449CA9459C}"/>
+          </ac:spMkLst>
+        </pc:spChg>
+        <pc:spChg chg="add del">
+          <ac:chgData name="Hugo Sequier" userId="e4fe3c59-f51a-4c34-abef-e859f9f20537" providerId="ADAL" clId="{D7FBFB41-06D7-406F-B2BE-A17A2F1B8E2E}" dt="2021-10-17T14:49:23.024" v="851" actId="26606"/>
+          <ac:spMkLst>
+            <pc:docMk/>
+            <pc:sldMk cId="1371466402" sldId="258"/>
+            <ac:spMk id="12" creationId="{6D7D7F0C-622D-4D84-A68D-C1AF54B6347B}"/>
+          </ac:spMkLst>
+        </pc:spChg>
+        <pc:spChg chg="add del">
+          <ac:chgData name="Hugo Sequier" userId="e4fe3c59-f51a-4c34-abef-e859f9f20537" providerId="ADAL" clId="{D7FBFB41-06D7-406F-B2BE-A17A2F1B8E2E}" dt="2021-10-17T14:49:23.024" v="851" actId="26606"/>
+          <ac:spMkLst>
+            <pc:docMk/>
+            <pc:sldMk cId="1371466402" sldId="258"/>
+            <ac:spMk id="14" creationId="{02A2E7B6-CE50-4B96-A981-2A0250732818}"/>
+          </ac:spMkLst>
+        </pc:spChg>
+        <pc:spChg chg="add del">
+          <ac:chgData name="Hugo Sequier" userId="e4fe3c59-f51a-4c34-abef-e859f9f20537" providerId="ADAL" clId="{D7FBFB41-06D7-406F-B2BE-A17A2F1B8E2E}" dt="2021-10-17T14:49:23.013" v="850" actId="26606"/>
+          <ac:spMkLst>
+            <pc:docMk/>
+            <pc:sldMk cId="1371466402" sldId="258"/>
+            <ac:spMk id="19" creationId="{6D7D7F0C-622D-4D84-A68D-C1AF54B6347B}"/>
+          </ac:spMkLst>
+        </pc:spChg>
+        <pc:spChg chg="add del">
+          <ac:chgData name="Hugo Sequier" userId="e4fe3c59-f51a-4c34-abef-e859f9f20537" providerId="ADAL" clId="{D7FBFB41-06D7-406F-B2BE-A17A2F1B8E2E}" dt="2021-10-17T14:49:23.013" v="850" actId="26606"/>
+          <ac:spMkLst>
+            <pc:docMk/>
+            <pc:sldMk cId="1371466402" sldId="258"/>
+            <ac:spMk id="21" creationId="{02A2E7B6-CE50-4B96-A981-2A0250732818}"/>
+          </ac:spMkLst>
+        </pc:spChg>
+        <pc:spChg chg="add del">
+          <ac:chgData name="Hugo Sequier" userId="e4fe3c59-f51a-4c34-abef-e859f9f20537" providerId="ADAL" clId="{D7FBFB41-06D7-406F-B2BE-A17A2F1B8E2E}" dt="2021-10-17T14:49:57.546" v="856" actId="26606"/>
+          <ac:spMkLst>
+            <pc:docMk/>
+            <pc:sldMk cId="1371466402" sldId="258"/>
+            <ac:spMk id="23" creationId="{8E2B8A2D-F46F-4DA5-8AFF-BC57461C281A}"/>
+          </ac:spMkLst>
+        </pc:spChg>
+        <pc:spChg chg="add del">
+          <ac:chgData name="Hugo Sequier" userId="e4fe3c59-f51a-4c34-abef-e859f9f20537" providerId="ADAL" clId="{D7FBFB41-06D7-406F-B2BE-A17A2F1B8E2E}" dt="2021-10-17T14:49:57.546" v="856" actId="26606"/>
+          <ac:spMkLst>
+            <pc:docMk/>
+            <pc:sldMk cId="1371466402" sldId="258"/>
+            <ac:spMk id="24" creationId="{292BAD85-00E4-4D0A-993C-8372E78E1ADD}"/>
+          </ac:spMkLst>
+        </pc:spChg>
+        <pc:spChg chg="add">
+          <ac:chgData name="Hugo Sequier" userId="e4fe3c59-f51a-4c34-abef-e859f9f20537" providerId="ADAL" clId="{D7FBFB41-06D7-406F-B2BE-A17A2F1B8E2E}" dt="2021-10-17T14:49:57.546" v="856" actId="26606"/>
+          <ac:spMkLst>
+            <pc:docMk/>
+            <pc:sldMk cId="1371466402" sldId="258"/>
+            <ac:spMk id="29" creationId="{8E2B8A2D-F46F-4DA5-8AFF-BC57461C281A}"/>
+          </ac:spMkLst>
+        </pc:spChg>
+        <pc:spChg chg="add">
+          <ac:chgData name="Hugo Sequier" userId="e4fe3c59-f51a-4c34-abef-e859f9f20537" providerId="ADAL" clId="{D7FBFB41-06D7-406F-B2BE-A17A2F1B8E2E}" dt="2021-10-17T14:49:57.546" v="856" actId="26606"/>
+          <ac:spMkLst>
+            <pc:docMk/>
+            <pc:sldMk cId="1371466402" sldId="258"/>
+            <ac:spMk id="31" creationId="{292BAD85-00E4-4D0A-993C-8372E78E1ADD}"/>
+          </ac:spMkLst>
+        </pc:spChg>
+        <pc:picChg chg="add mod ord">
+          <ac:chgData name="Hugo Sequier" userId="e4fe3c59-f51a-4c34-abef-e859f9f20537" providerId="ADAL" clId="{D7FBFB41-06D7-406F-B2BE-A17A2F1B8E2E}" dt="2021-10-17T14:49:46.520" v="853" actId="27614"/>
+          <ac:picMkLst>
+            <pc:docMk/>
+            <pc:sldMk cId="1371466402" sldId="258"/>
+            <ac:picMk id="5" creationId="{F8C8B83B-0D66-440B-9CC3-BB79A656C2C9}"/>
+          </ac:picMkLst>
+        </pc:picChg>
+        <pc:picChg chg="add mod ord">
+          <ac:chgData name="Hugo Sequier" userId="e4fe3c59-f51a-4c34-abef-e859f9f20537" providerId="ADAL" clId="{D7FBFB41-06D7-406F-B2BE-A17A2F1B8E2E}" dt="2021-10-17T14:49:46.513" v="852" actId="27614"/>
+          <ac:picMkLst>
+            <pc:docMk/>
+            <pc:sldMk cId="1371466402" sldId="258"/>
+            <ac:picMk id="7" creationId="{3EADFC2B-0AA8-4513-88B7-0A4A8C458A8A}"/>
+          </ac:picMkLst>
+        </pc:picChg>
+        <pc:picChg chg="add mod">
+          <ac:chgData name="Hugo Sequier" userId="e4fe3c59-f51a-4c34-abef-e859f9f20537" providerId="ADAL" clId="{D7FBFB41-06D7-406F-B2BE-A17A2F1B8E2E}" dt="2021-10-17T14:49:46.521" v="854" actId="27614"/>
+          <ac:picMkLst>
+            <pc:docMk/>
+            <pc:sldMk cId="1371466402" sldId="258"/>
+            <ac:picMk id="9" creationId="{0D5B5925-7B5C-4542-8ED5-09128104CA55}"/>
+          </ac:picMkLst>
+        </pc:picChg>
       </pc:sldChg>
     </pc:docChg>
   </pc:docChgLst>
@@ -4022,7 +4321,23 @@
           <a:bodyPr/>
           <a:lstStyle/>
           <a:p>
-            <a:endParaRPr lang="es-ES"/>
+            <a:r>
+              <a:rPr lang="fr-FR" dirty="0"/>
+              <a:t>Démarrer Hello World sur un </a:t>
+            </a:r>
+            <a:r>
+              <a:rPr lang="fr-FR" dirty="0" err="1"/>
+              <a:t>Tmote</a:t>
+            </a:r>
+            <a:r>
+              <a:rPr lang="fr-FR" dirty="0"/>
+              <a:t> Sky </a:t>
+            </a:r>
+            <a:r>
+              <a:rPr lang="fr-FR" dirty="0" err="1"/>
+              <a:t>node</a:t>
+            </a:r>
+            <a:endParaRPr lang="es-ES" dirty="0"/>
           </a:p>
         </p:txBody>
       </p:sp>
@@ -4042,12 +4357,204 @@
             <p:ph idx="1"/>
           </p:nvPr>
         </p:nvSpPr>
-        <p:spPr/>
-        <p:txBody>
-          <a:bodyPr/>
+        <p:spPr>
+          <a:xfrm>
+            <a:off x="1371600" y="2006354"/>
+            <a:ext cx="9601200" cy="4039340"/>
+          </a:xfrm>
+        </p:spPr>
+        <p:txBody>
+          <a:bodyPr>
+            <a:normAutofit/>
+          </a:bodyPr>
           <a:lstStyle/>
           <a:p>
-            <a:endParaRPr lang="es-ES"/>
+            <a:pPr>
+              <a:lnSpc>
+                <a:spcPct val="100000"/>
+              </a:lnSpc>
+            </a:pPr>
+            <a:r>
+              <a:rPr lang="fr-FR" sz="1600" dirty="0"/>
+              <a:t>1 – </a:t>
+            </a:r>
+            <a:r>
+              <a:rPr lang="en-US" sz="1600" dirty="0"/>
+              <a:t>faire au préalable : </a:t>
+            </a:r>
+          </a:p>
+          <a:p>
+            <a:pPr lvl="1">
+              <a:lnSpc>
+                <a:spcPct val="100000"/>
+              </a:lnSpc>
+            </a:pPr>
+            <a:r>
+              <a:rPr lang="en-US" sz="1600" i="0" dirty="0"/>
+              <a:t>$ cd Contiki</a:t>
+            </a:r>
+          </a:p>
+          <a:p>
+            <a:pPr lvl="1">
+              <a:lnSpc>
+                <a:spcPct val="100000"/>
+              </a:lnSpc>
+            </a:pPr>
+            <a:r>
+              <a:rPr lang="en-US" sz="1600" i="0" dirty="0"/>
+              <a:t>$ cd examples/hello-world</a:t>
+            </a:r>
+          </a:p>
+          <a:p>
+            <a:pPr lvl="1">
+              <a:lnSpc>
+                <a:spcPct val="100000"/>
+              </a:lnSpc>
+            </a:pPr>
+            <a:r>
+              <a:rPr lang="en-US" sz="1600" i="0" dirty="0"/>
+              <a:t>$ make TARGET=native</a:t>
+            </a:r>
+          </a:p>
+          <a:p>
+            <a:pPr lvl="1">
+              <a:lnSpc>
+                <a:spcPct val="100000"/>
+              </a:lnSpc>
+            </a:pPr>
+            <a:r>
+              <a:rPr lang="en-US" sz="1600" i="0" dirty="0"/>
+              <a:t>$ ./hello-</a:t>
+            </a:r>
+            <a:r>
+              <a:rPr lang="en-US" sz="1600" i="0" dirty="0" err="1"/>
+              <a:t>world.native</a:t>
+            </a:r>
+            <a:endParaRPr lang="en-US" sz="1600" i="0" dirty="0"/>
+          </a:p>
+          <a:p>
+            <a:pPr>
+              <a:lnSpc>
+                <a:spcPct val="100000"/>
+              </a:lnSpc>
+            </a:pPr>
+            <a:r>
+              <a:rPr lang="en-US" sz="1600" dirty="0"/>
+              <a:t>2 – Compile Contiki pour la plateforme sky: </a:t>
+            </a:r>
+          </a:p>
+          <a:p>
+            <a:pPr lvl="1">
+              <a:lnSpc>
+                <a:spcPct val="100000"/>
+              </a:lnSpc>
+            </a:pPr>
+            <a:r>
+              <a:rPr lang="en-US" sz="1600" i="0" dirty="0"/>
+              <a:t>$ make hello-</a:t>
+            </a:r>
+            <a:r>
+              <a:rPr lang="en-US" sz="1600" i="0" dirty="0" err="1"/>
+              <a:t>world.upload</a:t>
+            </a:r>
+            <a:r>
+              <a:rPr lang="en-US" sz="1600" i="0" dirty="0"/>
+              <a:t> TARGET=sky</a:t>
+            </a:r>
+          </a:p>
+          <a:p>
+            <a:pPr lvl="1">
+              <a:lnSpc>
+                <a:spcPct val="100000"/>
+              </a:lnSpc>
+            </a:pPr>
+            <a:r>
+              <a:rPr lang="en-US" sz="1600" i="0" dirty="0"/>
+              <a:t>$ make TARGET=sky </a:t>
+            </a:r>
+            <a:r>
+              <a:rPr lang="en-US" sz="1600" i="0" dirty="0" err="1"/>
+              <a:t>savetarget</a:t>
+            </a:r>
+            <a:endParaRPr lang="en-US" sz="1600" i="0" dirty="0"/>
+          </a:p>
+          <a:p>
+            <a:pPr>
+              <a:lnSpc>
+                <a:spcPct val="100000"/>
+              </a:lnSpc>
+            </a:pPr>
+            <a:r>
+              <a:rPr lang="en-US" sz="1600" dirty="0"/>
+              <a:t>3 – Connecter le </a:t>
+            </a:r>
+            <a:r>
+              <a:rPr lang="en-US" sz="1600" dirty="0" err="1"/>
+              <a:t>Tmote</a:t>
+            </a:r>
+            <a:r>
+              <a:rPr lang="en-US" sz="1600" dirty="0"/>
+              <a:t> Sky par USB : $ make sky-</a:t>
+            </a:r>
+            <a:r>
+              <a:rPr lang="en-US" sz="1600" dirty="0" err="1"/>
+              <a:t>motelist</a:t>
+            </a:r>
+            <a:endParaRPr lang="en-US" sz="1600" dirty="0"/>
+          </a:p>
+          <a:p>
+            <a:pPr>
+              <a:lnSpc>
+                <a:spcPct val="100000"/>
+              </a:lnSpc>
+            </a:pPr>
+            <a:r>
+              <a:rPr lang="en-US" sz="1600" dirty="0"/>
+              <a:t>4 – Upload the firmware to the node : </a:t>
+            </a:r>
+            <a:r>
+              <a:rPr lang="en-US" sz="1600" i="0" dirty="0"/>
+              <a:t>$ make hello-</a:t>
+            </a:r>
+            <a:r>
+              <a:rPr lang="en-US" sz="1600" i="0" dirty="0" err="1"/>
+              <a:t>world.upload</a:t>
+            </a:r>
+            <a:r>
+              <a:rPr lang="en-US" sz="1600" i="0" dirty="0"/>
+              <a:t> MOTE=1</a:t>
+            </a:r>
+          </a:p>
+          <a:p>
+            <a:pPr>
+              <a:lnSpc>
+                <a:spcPct val="100000"/>
+              </a:lnSpc>
+            </a:pPr>
+            <a:r>
+              <a:rPr lang="en-US" sz="1600" i="0" dirty="0"/>
+              <a:t>5 – Pour </a:t>
+            </a:r>
+            <a:r>
+              <a:rPr lang="en-US" sz="1600" i="0" dirty="0" err="1"/>
+              <a:t>voir</a:t>
+            </a:r>
+            <a:r>
+              <a:rPr lang="en-US" sz="1600" i="0" dirty="0"/>
+              <a:t> le </a:t>
+            </a:r>
+            <a:r>
+              <a:rPr lang="en-US" sz="1600" i="0" dirty="0" err="1"/>
+              <a:t>programme</a:t>
+            </a:r>
+            <a:r>
+              <a:rPr lang="en-US" sz="1600" i="0" dirty="0"/>
+              <a:t> de</a:t>
+            </a:r>
+            <a:r>
+              <a:rPr lang="en-US" sz="1600" dirty="0"/>
+              <a:t> sortie : $ make login MOTE=1</a:t>
+            </a:r>
           </a:p>
         </p:txBody>
       </p:sp>
@@ -4055,6 +4562,484 @@
     <p:extLst>
       <p:ext uri="{BB962C8B-B14F-4D97-AF65-F5344CB8AC3E}">
         <p14:creationId xmlns:p14="http://schemas.microsoft.com/office/powerpoint/2010/main" val="289191786"/>
+      </p:ext>
+    </p:extLst>
+  </p:cSld>
+  <p:clrMapOvr>
+    <a:masterClrMapping/>
+  </p:clrMapOvr>
+</p:sld>
+</file>
+
+<file path=ppt/slides/slide3.xml><?xml version="1.0" encoding="utf-8"?>
+<p:sld xmlns:a="http://schemas.openxmlformats.org/drawingml/2006/main" xmlns:r="http://schemas.openxmlformats.org/officeDocument/2006/relationships" xmlns:p="http://schemas.openxmlformats.org/presentationml/2006/main">
+  <p:cSld>
+    <p:bg>
+      <p:bgPr>
+        <a:solidFill>
+          <a:schemeClr val="bg2"/>
+        </a:solidFill>
+        <a:effectLst/>
+      </p:bgPr>
+    </p:bg>
+    <p:spTree>
+      <p:nvGrpSpPr>
+        <p:cNvPr id="1" name=""/>
+        <p:cNvGrpSpPr/>
+        <p:nvPr/>
+      </p:nvGrpSpPr>
+      <p:grpSpPr>
+        <a:xfrm>
+          <a:off x="0" y="0"/>
+          <a:ext cx="0" cy="0"/>
+          <a:chOff x="0" y="0"/>
+          <a:chExt cx="0" cy="0"/>
+        </a:xfrm>
+      </p:grpSpPr>
+      <p:sp>
+        <p:nvSpPr>
+          <p:cNvPr id="20" name="Rectangle 19">
+            <a:extLst>
+              <a:ext uri="{FF2B5EF4-FFF2-40B4-BE49-F238E27FC236}">
+                <a16:creationId xmlns:a16="http://schemas.microsoft.com/office/drawing/2014/main" id="{2793B903-AB42-42A0-AE97-93D366679CA2}"/>
+              </a:ext>
+              <a:ext uri="{C183D7F6-B498-43B3-948B-1728B52AA6E4}">
+                <adec:decorative xmlns:adec="http://schemas.microsoft.com/office/drawing/2017/decorative" val="1"/>
+              </a:ext>
+            </a:extLst>
+          </p:cNvPr>
+          <p:cNvSpPr>
+            <a:spLocks noGrp="1" noRot="1" noChangeAspect="1" noMove="1" noResize="1" noEditPoints="1" noAdjustHandles="1" noChangeArrowheads="1" noChangeShapeType="1" noTextEdit="1"/>
+          </p:cNvSpPr>
+          <p:nvPr>
+            <p:extLst>
+              <p:ext uri="{386F3935-93C4-4BCD-93E2-E3B085C9AB24}">
+                <p16:designElem xmlns:p16="http://schemas.microsoft.com/office/powerpoint/2015/main" val="1"/>
+              </p:ext>
+            </p:extLst>
+          </p:nvPr>
+        </p:nvSpPr>
+        <p:spPr>
+          <a:xfrm>
+            <a:off x="478095" y="376"/>
+            <a:ext cx="228600" cy="6858000"/>
+          </a:xfrm>
+          <a:prstGeom prst="rect">
+            <a:avLst/>
+          </a:prstGeom>
+          <a:solidFill>
+            <a:schemeClr val="tx2"/>
+          </a:solidFill>
+          <a:ln>
+            <a:noFill/>
+          </a:ln>
+        </p:spPr>
+        <p:style>
+          <a:lnRef idx="2">
+            <a:schemeClr val="accent1">
+              <a:shade val="50000"/>
+            </a:schemeClr>
+          </a:lnRef>
+          <a:fillRef idx="1">
+            <a:schemeClr val="accent1"/>
+          </a:fillRef>
+          <a:effectRef idx="0">
+            <a:schemeClr val="accent1"/>
+          </a:effectRef>
+          <a:fontRef idx="minor">
+            <a:schemeClr val="lt1"/>
+          </a:fontRef>
+        </p:style>
+      </p:sp>
+      <p:sp>
+        <p:nvSpPr>
+          <p:cNvPr id="22" name="Rectangle 21">
+            <a:extLst>
+              <a:ext uri="{FF2B5EF4-FFF2-40B4-BE49-F238E27FC236}">
+                <a16:creationId xmlns:a16="http://schemas.microsoft.com/office/drawing/2014/main" id="{9A204626-2220-4678-A939-FD94EA7B5362}"/>
+              </a:ext>
+              <a:ext uri="{C183D7F6-B498-43B3-948B-1728B52AA6E4}">
+                <adec:decorative xmlns:adec="http://schemas.microsoft.com/office/drawing/2017/decorative" val="1"/>
+              </a:ext>
+            </a:extLst>
+          </p:cNvPr>
+          <p:cNvSpPr>
+            <a:spLocks noGrp="1" noRot="1" noChangeAspect="1" noMove="1" noResize="1" noEditPoints="1" noAdjustHandles="1" noChangeArrowheads="1" noChangeShapeType="1" noTextEdit="1"/>
+          </p:cNvSpPr>
+          <p:nvPr>
+            <p:extLst>
+              <p:ext uri="{386F3935-93C4-4BCD-93E2-E3B085C9AB24}">
+                <p16:designElem xmlns:p16="http://schemas.microsoft.com/office/powerpoint/2015/main" val="1"/>
+              </p:ext>
+            </p:extLst>
+          </p:nvPr>
+        </p:nvSpPr>
+        <p:spPr>
+          <a:xfrm>
+            <a:off x="0" y="0"/>
+            <a:ext cx="12192000" cy="6858000"/>
+          </a:xfrm>
+          <a:prstGeom prst="rect">
+            <a:avLst/>
+          </a:prstGeom>
+          <a:solidFill>
+            <a:schemeClr val="bg2"/>
+          </a:solidFill>
+          <a:ln>
+            <a:noFill/>
+          </a:ln>
+        </p:spPr>
+        <p:style>
+          <a:lnRef idx="2">
+            <a:schemeClr val="accent1">
+              <a:shade val="50000"/>
+            </a:schemeClr>
+          </a:lnRef>
+          <a:fillRef idx="1">
+            <a:schemeClr val="accent1"/>
+          </a:fillRef>
+          <a:effectRef idx="0">
+            <a:schemeClr val="accent1"/>
+          </a:effectRef>
+          <a:fontRef idx="minor">
+            <a:schemeClr val="lt1"/>
+          </a:fontRef>
+        </p:style>
+        <p:txBody>
+          <a:bodyPr rtlCol="0" anchor="ctr"/>
+          <a:lstStyle/>
+          <a:p>
+            <a:pPr algn="ctr"/>
+            <a:endParaRPr lang="en-US"/>
+          </a:p>
+        </p:txBody>
+      </p:sp>
+      <p:sp>
+        <p:nvSpPr>
+          <p:cNvPr id="2" name="Titre 1">
+            <a:extLst>
+              <a:ext uri="{FF2B5EF4-FFF2-40B4-BE49-F238E27FC236}">
+                <a16:creationId xmlns:a16="http://schemas.microsoft.com/office/drawing/2014/main" id="{BD49A01A-4DB7-4E11-8CD4-C429800AE2A6}"/>
+              </a:ext>
+            </a:extLst>
+          </p:cNvPr>
+          <p:cNvSpPr>
+            <a:spLocks noGrp="1"/>
+          </p:cNvSpPr>
+          <p:nvPr>
+            <p:ph type="title"/>
+          </p:nvPr>
+        </p:nvSpPr>
+        <p:spPr>
+          <a:xfrm>
+            <a:off x="784743" y="685800"/>
+            <a:ext cx="5958837" cy="1485900"/>
+          </a:xfrm>
+        </p:spPr>
+        <p:txBody>
+          <a:bodyPr vert="horz" lIns="91440" tIns="45720" rIns="91440" bIns="45720" rtlCol="0" anchor="t">
+            <a:normAutofit/>
+          </a:bodyPr>
+          <a:lstStyle/>
+          <a:p>
+            <a:pPr>
+              <a:lnSpc>
+                <a:spcPct val="89000"/>
+              </a:lnSpc>
+            </a:pPr>
+            <a:r>
+              <a:rPr lang="en-US" sz="4400"/>
+              <a:t>Sensors, LEDs and Button</a:t>
+            </a:r>
+          </a:p>
+        </p:txBody>
+      </p:sp>
+      <p:sp>
+        <p:nvSpPr>
+          <p:cNvPr id="3" name="Espace réservé du contenu 2">
+            <a:extLst>
+              <a:ext uri="{FF2B5EF4-FFF2-40B4-BE49-F238E27FC236}">
+                <a16:creationId xmlns:a16="http://schemas.microsoft.com/office/drawing/2014/main" id="{83F10263-FAEA-4995-A3FA-10449CA9459C}"/>
+              </a:ext>
+            </a:extLst>
+          </p:cNvPr>
+          <p:cNvSpPr>
+            <a:spLocks noGrp="1"/>
+          </p:cNvSpPr>
+          <p:nvPr>
+            <p:ph idx="1"/>
+          </p:nvPr>
+        </p:nvSpPr>
+        <p:spPr>
+          <a:xfrm>
+            <a:off x="784743" y="2286000"/>
+            <a:ext cx="5958837" cy="3581400"/>
+          </a:xfrm>
+        </p:spPr>
+        <p:txBody>
+          <a:bodyPr vert="horz" lIns="91440" tIns="45720" rIns="91440" bIns="45720" rtlCol="0">
+            <a:normAutofit/>
+          </a:bodyPr>
+          <a:lstStyle/>
+          <a:p>
+            <a:r>
+              <a:rPr lang="en-US" dirty="0"/>
+              <a:t>Contiki </a:t>
+            </a:r>
+            <a:r>
+              <a:rPr lang="en-US" dirty="0" err="1"/>
+              <a:t>utilise</a:t>
+            </a:r>
+            <a:r>
+              <a:rPr lang="en-US" dirty="0"/>
+              <a:t> des « protothreads » :</a:t>
+            </a:r>
+          </a:p>
+          <a:p>
+            <a:pPr marL="384048" lvl="1"/>
+            <a:r>
+              <a:rPr lang="en-US" dirty="0" err="1"/>
+              <a:t>Attendre</a:t>
+            </a:r>
+            <a:r>
+              <a:rPr lang="en-US" dirty="0"/>
+              <a:t> un </a:t>
+            </a:r>
+            <a:r>
+              <a:rPr lang="en-US" dirty="0" err="1"/>
+              <a:t>évenemnt</a:t>
+            </a:r>
+            <a:r>
+              <a:rPr lang="en-US" dirty="0"/>
+              <a:t> : PROCESS_WAIT_EVENT()</a:t>
+            </a:r>
+          </a:p>
+          <a:p>
+            <a:pPr marL="384048" lvl="1"/>
+            <a:r>
+              <a:rPr lang="en-US" dirty="0"/>
+              <a:t>Main process : PROCESS(</a:t>
+            </a:r>
+            <a:r>
+              <a:rPr lang="en-US" dirty="0" err="1"/>
+              <a:t>nom_process</a:t>
+            </a:r>
+            <a:r>
+              <a:rPr lang="en-US" dirty="0"/>
+              <a:t>, String)</a:t>
+            </a:r>
+          </a:p>
+          <a:p>
+            <a:pPr marL="384048" lvl="2"/>
+            <a:r>
+              <a:rPr lang="en-US" dirty="0"/>
+              <a:t>AUTOSTART_PROCESSES(&amp;</a:t>
+            </a:r>
+            <a:r>
+              <a:rPr lang="en-US" dirty="0" err="1"/>
+              <a:t>nom_process</a:t>
+            </a:r>
+            <a:r>
+              <a:rPr lang="en-US" dirty="0"/>
+              <a:t>)</a:t>
+            </a:r>
+          </a:p>
+          <a:p>
+            <a:pPr marL="384048" lvl="2"/>
+            <a:r>
+              <a:rPr lang="en-US" dirty="0"/>
+              <a:t>PROCESS_THREAD(</a:t>
+            </a:r>
+            <a:r>
+              <a:rPr lang="en-US" dirty="0" err="1"/>
+              <a:t>nom_process,ev,data</a:t>
+            </a:r>
+            <a:r>
+              <a:rPr lang="en-US" dirty="0"/>
+              <a:t>)</a:t>
+            </a:r>
+          </a:p>
+          <a:p>
+            <a:pPr marL="384048" lvl="2"/>
+            <a:r>
+              <a:rPr lang="en-US" dirty="0" err="1"/>
+              <a:t>leds_on</a:t>
+            </a:r>
+            <a:r>
+              <a:rPr lang="en-US" dirty="0"/>
+              <a:t>(LEDS_ALL) : </a:t>
+            </a:r>
+            <a:r>
+              <a:rPr lang="en-US" dirty="0" err="1"/>
+              <a:t>Allume</a:t>
+            </a:r>
+            <a:r>
+              <a:rPr lang="en-US" dirty="0"/>
+              <a:t> </a:t>
+            </a:r>
+            <a:r>
+              <a:rPr lang="en-US" dirty="0" err="1"/>
+              <a:t>toutes</a:t>
+            </a:r>
+            <a:r>
+              <a:rPr lang="en-US" dirty="0"/>
+              <a:t> les </a:t>
+            </a:r>
+            <a:r>
+              <a:rPr lang="en-US" dirty="0" err="1"/>
+              <a:t>leds</a:t>
+            </a:r>
+            <a:endParaRPr lang="en-US" dirty="0"/>
+          </a:p>
+          <a:p>
+            <a:pPr marL="384048" lvl="2"/>
+            <a:r>
+              <a:rPr lang="en-US" dirty="0" err="1"/>
+              <a:t>Leds_off</a:t>
+            </a:r>
+            <a:r>
+              <a:rPr lang="en-US" dirty="0"/>
+              <a:t>(x): </a:t>
+            </a:r>
+            <a:r>
+              <a:rPr lang="en-US" dirty="0" err="1"/>
+              <a:t>Eteind</a:t>
+            </a:r>
+            <a:r>
+              <a:rPr lang="en-US" dirty="0"/>
+              <a:t> les </a:t>
+            </a:r>
+            <a:r>
+              <a:rPr lang="en-US" dirty="0" err="1"/>
+              <a:t>lumières</a:t>
+            </a:r>
+            <a:endParaRPr lang="en-US" dirty="0"/>
+          </a:p>
+          <a:p>
+            <a:pPr marL="384048" lvl="2"/>
+            <a:r>
+              <a:rPr lang="en-US" dirty="0" err="1"/>
+              <a:t>Compteur</a:t>
+            </a:r>
+            <a:r>
+              <a:rPr lang="en-US" dirty="0"/>
+              <a:t> qui </a:t>
+            </a:r>
+            <a:r>
+              <a:rPr lang="en-US" dirty="0" err="1"/>
+              <a:t>permet</a:t>
+            </a:r>
+            <a:r>
+              <a:rPr lang="en-US" dirty="0"/>
+              <a:t> de changer de couleur à </a:t>
+            </a:r>
+            <a:r>
+              <a:rPr lang="en-US" dirty="0" err="1"/>
+              <a:t>chaque</a:t>
+            </a:r>
+            <a:r>
+              <a:rPr lang="en-US" dirty="0"/>
+              <a:t> clique</a:t>
+            </a:r>
+          </a:p>
+          <a:p>
+            <a:pPr marL="384048" lvl="2">
+              <a:buFont typeface="Franklin Gothic Book" panose="020B0503020102020204" pitchFamily="34" charset="0"/>
+              <a:buNone/>
+            </a:pPr>
+            <a:endParaRPr lang="en-US" dirty="0"/>
+          </a:p>
+        </p:txBody>
+      </p:sp>
+      <p:sp>
+        <p:nvSpPr>
+          <p:cNvPr id="17" name="Rectangle 23">
+            <a:extLst>
+              <a:ext uri="{FF2B5EF4-FFF2-40B4-BE49-F238E27FC236}">
+                <a16:creationId xmlns:a16="http://schemas.microsoft.com/office/drawing/2014/main" id="{EB97D8A6-1C5A-42B6-AE78-F3D0F9BDF024}"/>
+              </a:ext>
+              <a:ext uri="{C183D7F6-B498-43B3-948B-1728B52AA6E4}">
+                <adec:decorative xmlns:adec="http://schemas.microsoft.com/office/drawing/2017/decorative" val="1"/>
+              </a:ext>
+            </a:extLst>
+          </p:cNvPr>
+          <p:cNvSpPr>
+            <a:spLocks noGrp="1" noRot="1" noChangeAspect="1" noMove="1" noResize="1" noEditPoints="1" noAdjustHandles="1" noChangeArrowheads="1" noChangeShapeType="1" noTextEdit="1"/>
+          </p:cNvSpPr>
+          <p:nvPr>
+            <p:extLst>
+              <p:ext uri="{386F3935-93C4-4BCD-93E2-E3B085C9AB24}">
+                <p16:designElem xmlns:p16="http://schemas.microsoft.com/office/powerpoint/2015/main" val="1"/>
+              </p:ext>
+            </p:extLst>
+          </p:nvPr>
+        </p:nvSpPr>
+        <p:spPr>
+          <a:xfrm>
+            <a:off x="7383661" y="0"/>
+            <a:ext cx="228600" cy="6858000"/>
+          </a:xfrm>
+          <a:prstGeom prst="rect">
+            <a:avLst/>
+          </a:prstGeom>
+          <a:solidFill>
+            <a:schemeClr val="tx2"/>
+          </a:solidFill>
+          <a:ln>
+            <a:noFill/>
+          </a:ln>
+        </p:spPr>
+        <p:style>
+          <a:lnRef idx="2">
+            <a:schemeClr val="accent1">
+              <a:shade val="50000"/>
+            </a:schemeClr>
+          </a:lnRef>
+          <a:fillRef idx="1">
+            <a:schemeClr val="accent1"/>
+          </a:fillRef>
+          <a:effectRef idx="0">
+            <a:schemeClr val="accent1"/>
+          </a:effectRef>
+          <a:fontRef idx="minor">
+            <a:schemeClr val="lt1"/>
+          </a:fontRef>
+        </p:style>
+      </p:sp>
+      <p:pic>
+        <p:nvPicPr>
+          <p:cNvPr id="15" name="Image 14">
+            <a:extLst>
+              <a:ext uri="{FF2B5EF4-FFF2-40B4-BE49-F238E27FC236}">
+                <a16:creationId xmlns:a16="http://schemas.microsoft.com/office/drawing/2014/main" id="{4BC78D03-4383-4769-BDA8-801E2B5000B1}"/>
+              </a:ext>
+            </a:extLst>
+          </p:cNvPr>
+          <p:cNvPicPr>
+            <a:picLocks noChangeAspect="1"/>
+          </p:cNvPicPr>
+          <p:nvPr/>
+        </p:nvPicPr>
+        <p:blipFill>
+          <a:blip r:embed="rId2"/>
+          <a:stretch>
+            <a:fillRect/>
+          </a:stretch>
+        </p:blipFill>
+        <p:spPr>
+          <a:xfrm>
+            <a:off x="7836703" y="685800"/>
+            <a:ext cx="4041261" cy="5276272"/>
+          </a:xfrm>
+          <a:prstGeom prst="rect">
+            <a:avLst/>
+          </a:prstGeom>
+        </p:spPr>
+      </p:pic>
+    </p:spTree>
+    <p:extLst>
+      <p:ext uri="{BB962C8B-B14F-4D97-AF65-F5344CB8AC3E}">
+        <p14:creationId xmlns:p14="http://schemas.microsoft.com/office/powerpoint/2010/main" val="1371466402"/>
       </p:ext>
     </p:extLst>
   </p:cSld>
